--- a/FOREST FIRE DETECTION AND EXTINGUISH.pptx
+++ b/FOREST FIRE DETECTION AND EXTINGUISH.pptx
@@ -745,7 +745,7 @@
           <a:p>
             <a:fld id="{A4463A04-C2CB-45B6-BA8F-E34B83F0F5FB}" type="datetimeFigureOut">
               <a:rPr lang="en-IN" smtClean="0"/>
-              <a:t>03-04-2020</a:t>
+              <a:t>06-04-2020</a:t>
             </a:fld>
             <a:endParaRPr lang="en-IN"/>
           </a:p>
@@ -941,7 +941,7 @@
           <a:p>
             <a:fld id="{A4463A04-C2CB-45B6-BA8F-E34B83F0F5FB}" type="datetimeFigureOut">
               <a:rPr lang="en-IN" smtClean="0"/>
-              <a:t>03-04-2020</a:t>
+              <a:t>06-04-2020</a:t>
             </a:fld>
             <a:endParaRPr lang="en-IN"/>
           </a:p>
@@ -1126,7 +1126,7 @@
           <a:p>
             <a:fld id="{A4463A04-C2CB-45B6-BA8F-E34B83F0F5FB}" type="datetimeFigureOut">
               <a:rPr lang="en-IN" smtClean="0"/>
-              <a:t>03-04-2020</a:t>
+              <a:t>06-04-2020</a:t>
             </a:fld>
             <a:endParaRPr lang="en-IN"/>
           </a:p>
@@ -1276,7 +1276,7 @@
           <a:p>
             <a:fld id="{A4463A04-C2CB-45B6-BA8F-E34B83F0F5FB}" type="datetimeFigureOut">
               <a:rPr lang="en-IN" smtClean="0"/>
-              <a:t>03-04-2020</a:t>
+              <a:t>06-04-2020</a:t>
             </a:fld>
             <a:endParaRPr lang="en-IN"/>
           </a:p>
@@ -1531,7 +1531,7 @@
           <a:p>
             <a:fld id="{A4463A04-C2CB-45B6-BA8F-E34B83F0F5FB}" type="datetimeFigureOut">
               <a:rPr lang="en-IN" smtClean="0"/>
-              <a:t>03-04-2020</a:t>
+              <a:t>06-04-2020</a:t>
             </a:fld>
             <a:endParaRPr lang="en-IN"/>
           </a:p>
@@ -1940,7 +1940,7 @@
           <a:p>
             <a:fld id="{A4463A04-C2CB-45B6-BA8F-E34B83F0F5FB}" type="datetimeFigureOut">
               <a:rPr lang="en-IN" smtClean="0"/>
-              <a:t>03-04-2020</a:t>
+              <a:t>06-04-2020</a:t>
             </a:fld>
             <a:endParaRPr lang="en-IN"/>
           </a:p>
@@ -2386,7 +2386,7 @@
           <a:p>
             <a:fld id="{A4463A04-C2CB-45B6-BA8F-E34B83F0F5FB}" type="datetimeFigureOut">
               <a:rPr lang="en-IN" smtClean="0"/>
-              <a:t>03-04-2020</a:t>
+              <a:t>06-04-2020</a:t>
             </a:fld>
             <a:endParaRPr lang="en-IN"/>
           </a:p>
@@ -2487,7 +2487,7 @@
           <a:p>
             <a:fld id="{A4463A04-C2CB-45B6-BA8F-E34B83F0F5FB}" type="datetimeFigureOut">
               <a:rPr lang="en-IN" smtClean="0"/>
-              <a:t>03-04-2020</a:t>
+              <a:t>06-04-2020</a:t>
             </a:fld>
             <a:endParaRPr lang="en-IN"/>
           </a:p>
@@ -2608,7 +2608,7 @@
           <a:p>
             <a:fld id="{A4463A04-C2CB-45B6-BA8F-E34B83F0F5FB}" type="datetimeFigureOut">
               <a:rPr lang="en-IN" smtClean="0"/>
-              <a:t>03-04-2020</a:t>
+              <a:t>06-04-2020</a:t>
             </a:fld>
             <a:endParaRPr lang="en-IN"/>
           </a:p>
@@ -2882,7 +2882,7 @@
           <a:p>
             <a:fld id="{A4463A04-C2CB-45B6-BA8F-E34B83F0F5FB}" type="datetimeFigureOut">
               <a:rPr lang="en-IN" smtClean="0"/>
-              <a:t>03-04-2020</a:t>
+              <a:t>06-04-2020</a:t>
             </a:fld>
             <a:endParaRPr lang="en-IN"/>
           </a:p>
@@ -3087,7 +3087,7 @@
           <a:p>
             <a:fld id="{A4463A04-C2CB-45B6-BA8F-E34B83F0F5FB}" type="datetimeFigureOut">
               <a:rPr lang="en-IN" smtClean="0"/>
-              <a:t>03-04-2020</a:t>
+              <a:t>06-04-2020</a:t>
             </a:fld>
             <a:endParaRPr lang="en-IN"/>
           </a:p>
@@ -4196,7 +4196,7 @@
           <a:p>
             <a:fld id="{A4463A04-C2CB-45B6-BA8F-E34B83F0F5FB}" type="datetimeFigureOut">
               <a:rPr lang="en-IN" smtClean="0"/>
-              <a:t>03-04-2020</a:t>
+              <a:t>06-04-2020</a:t>
             </a:fld>
             <a:endParaRPr lang="en-IN"/>
           </a:p>
@@ -4839,8 +4839,19 @@
                 <a:latin typeface="Times New Roman" pitchFamily="18" charset="0"/>
                 <a:cs typeface="Times New Roman" pitchFamily="18" charset="0"/>
               </a:rPr>
-              <a:t>Firebase sensor</a:t>
-            </a:r>
+              <a:t>Firebase </a:t>
+            </a:r>
+            <a:r>
+              <a:rPr lang="en-IN" dirty="0" smtClean="0">
+                <a:latin typeface="Times New Roman" pitchFamily="18" charset="0"/>
+                <a:cs typeface="Times New Roman" pitchFamily="18" charset="0"/>
+              </a:rPr>
+              <a:t>server</a:t>
+            </a:r>
+            <a:endParaRPr lang="en-IN" dirty="0" smtClean="0">
+              <a:latin typeface="Times New Roman" pitchFamily="18" charset="0"/>
+              <a:cs typeface="Times New Roman" pitchFamily="18" charset="0"/>
+            </a:endParaRPr>
           </a:p>
           <a:p>
             <a:pPr>
@@ -5972,19 +5983,27 @@
                 <a:latin typeface="Times New Roman" pitchFamily="18" charset="0"/>
                 <a:cs typeface="Times New Roman" pitchFamily="18" charset="0"/>
               </a:rPr>
-              <a:t>       -&gt;</a:t>
+              <a:t>       -&gt;Flame</a:t>
+            </a:r>
+          </a:p>
+          <a:p>
+            <a:pPr marL="109728" indent="0">
+              <a:buNone/>
+            </a:pPr>
+            <a:r>
+              <a:rPr lang="en-US" sz="1800" dirty="0">
+                <a:latin typeface="Times New Roman" pitchFamily="18" charset="0"/>
+                <a:cs typeface="Times New Roman" pitchFamily="18" charset="0"/>
+              </a:rPr>
+              <a:t> </a:t>
             </a:r>
             <a:r>
               <a:rPr lang="en-US" sz="1800" dirty="0" smtClean="0">
                 <a:latin typeface="Times New Roman" pitchFamily="18" charset="0"/>
                 <a:cs typeface="Times New Roman" pitchFamily="18" charset="0"/>
               </a:rPr>
-              <a:t>Flame</a:t>
-            </a:r>
-            <a:endParaRPr lang="en-US" sz="1800" dirty="0" smtClean="0">
-              <a:latin typeface="Times New Roman" pitchFamily="18" charset="0"/>
-              <a:cs typeface="Times New Roman" pitchFamily="18" charset="0"/>
-            </a:endParaRPr>
+              <a:t> 6:- GPS module(NEO-6M)</a:t>
+            </a:r>
           </a:p>
           <a:p>
             <a:pPr marL="109728" indent="0">
@@ -6002,7 +6021,7 @@
                 <a:latin typeface="Times New Roman" pitchFamily="18" charset="0"/>
                 <a:cs typeface="Times New Roman" pitchFamily="18" charset="0"/>
               </a:rPr>
-              <a:t> 6:- GPS module(NEO-6M)</a:t>
+              <a:t> 7:- Water Pump(3-6V)</a:t>
             </a:r>
           </a:p>
           <a:p>
@@ -6010,6 +6029,42 @@
               <a:buNone/>
             </a:pPr>
             <a:r>
+              <a:rPr lang="en-US" sz="1800" dirty="0" smtClean="0">
+                <a:latin typeface="Times New Roman" pitchFamily="18" charset="0"/>
+                <a:cs typeface="Times New Roman" pitchFamily="18" charset="0"/>
+              </a:rPr>
+              <a:t>  8:- Motor Driver(L293D)</a:t>
+            </a:r>
+          </a:p>
+          <a:p>
+            <a:pPr marL="109728" indent="0">
+              <a:buNone/>
+            </a:pPr>
+            <a:r>
+              <a:rPr lang="en-US" sz="1800" dirty="0" smtClean="0">
+                <a:latin typeface="Times New Roman" pitchFamily="18" charset="0"/>
+                <a:cs typeface="Times New Roman" pitchFamily="18" charset="0"/>
+              </a:rPr>
+              <a:t>  9:- USB Cable</a:t>
+            </a:r>
+          </a:p>
+          <a:p>
+            <a:pPr marL="109728" indent="0">
+              <a:buNone/>
+            </a:pPr>
+            <a:r>
+              <a:rPr lang="en-US" sz="1800" dirty="0" smtClean="0">
+                <a:latin typeface="Times New Roman" pitchFamily="18" charset="0"/>
+                <a:cs typeface="Times New Roman" pitchFamily="18" charset="0"/>
+              </a:rPr>
+              <a:t>  10:- Bread board</a:t>
+            </a:r>
+          </a:p>
+          <a:p>
+            <a:pPr marL="109728" indent="0">
+              <a:buNone/>
+            </a:pPr>
+            <a:r>
               <a:rPr lang="en-US" sz="1800" dirty="0">
                 <a:latin typeface="Times New Roman" pitchFamily="18" charset="0"/>
                 <a:cs typeface="Times New Roman" pitchFamily="18" charset="0"/>
@@ -6021,7 +6076,7 @@
                 <a:latin typeface="Times New Roman" pitchFamily="18" charset="0"/>
                 <a:cs typeface="Times New Roman" pitchFamily="18" charset="0"/>
               </a:rPr>
-              <a:t> 7:- Water Pump(3-6V)</a:t>
+              <a:t> 11:-  9  Volt battery</a:t>
             </a:r>
           </a:p>
           <a:p>
@@ -6033,14 +6088,7 @@
                 <a:latin typeface="Times New Roman" pitchFamily="18" charset="0"/>
                 <a:cs typeface="Times New Roman" pitchFamily="18" charset="0"/>
               </a:rPr>
-              <a:t>  8:- Motor Driver(L293D</a:t>
-            </a:r>
-            <a:r>
-              <a:rPr lang="en-US" sz="1800" dirty="0" smtClean="0">
-                <a:latin typeface="Times New Roman" pitchFamily="18" charset="0"/>
-                <a:cs typeface="Times New Roman" pitchFamily="18" charset="0"/>
-              </a:rPr>
-              <a:t>)</a:t>
+              <a:t> 12:- Battery connector</a:t>
             </a:r>
           </a:p>
           <a:p>
@@ -6048,77 +6096,11 @@
               <a:buNone/>
             </a:pPr>
             <a:r>
-              <a:rPr lang="en-US" sz="1800" dirty="0" smtClean="0">
-                <a:latin typeface="Times New Roman" pitchFamily="18" charset="0"/>
-                <a:cs typeface="Times New Roman" pitchFamily="18" charset="0"/>
-              </a:rPr>
-              <a:t>  9:- USB Cable</a:t>
-            </a:r>
-          </a:p>
-          <a:p>
-            <a:pPr marL="109728" indent="0">
-              <a:buNone/>
-            </a:pPr>
-            <a:r>
-              <a:rPr lang="en-US" sz="1800" dirty="0" smtClean="0">
-                <a:latin typeface="Times New Roman" pitchFamily="18" charset="0"/>
-                <a:cs typeface="Times New Roman" pitchFamily="18" charset="0"/>
-              </a:rPr>
-              <a:t>  10:- Bread board</a:t>
-            </a:r>
-          </a:p>
-          <a:p>
-            <a:pPr marL="109728" indent="0">
-              <a:buNone/>
-            </a:pPr>
-            <a:r>
-              <a:rPr lang="en-US" sz="1800" dirty="0">
-                <a:latin typeface="Times New Roman" pitchFamily="18" charset="0"/>
-                <a:cs typeface="Times New Roman" pitchFamily="18" charset="0"/>
-              </a:rPr>
-              <a:t> </a:t>
-            </a:r>
-            <a:r>
-              <a:rPr lang="en-US" sz="1800" dirty="0" smtClean="0">
-                <a:latin typeface="Times New Roman" pitchFamily="18" charset="0"/>
-                <a:cs typeface="Times New Roman" pitchFamily="18" charset="0"/>
-              </a:rPr>
-              <a:t> 11:-  9  Volt battery</a:t>
-            </a:r>
-          </a:p>
-          <a:p>
-            <a:pPr marL="109728" indent="0">
-              <a:buNone/>
-            </a:pPr>
-            <a:r>
-              <a:rPr lang="en-US" sz="1800" dirty="0" smtClean="0">
-                <a:latin typeface="Times New Roman" pitchFamily="18" charset="0"/>
-                <a:cs typeface="Times New Roman" pitchFamily="18" charset="0"/>
-              </a:rPr>
-              <a:t> 12:- Battery connector</a:t>
-            </a:r>
-            <a:endParaRPr lang="en-US" sz="1800" dirty="0" smtClean="0">
-              <a:latin typeface="Times New Roman" pitchFamily="18" charset="0"/>
-              <a:cs typeface="Times New Roman" pitchFamily="18" charset="0"/>
-            </a:endParaRPr>
-          </a:p>
-          <a:p>
-            <a:pPr marL="109728" indent="0">
-              <a:buNone/>
-            </a:pPr>
-            <a:r>
               <a:rPr lang="en-US" sz="1800" b="1" u="sng" dirty="0">
                 <a:latin typeface="Times New Roman" pitchFamily="18" charset="0"/>
                 <a:cs typeface="Times New Roman" pitchFamily="18" charset="0"/>
               </a:rPr>
-              <a:t> </a:t>
-            </a:r>
-            <a:r>
-              <a:rPr lang="en-US" sz="1800" b="1" u="sng" dirty="0">
-                <a:latin typeface="Times New Roman" pitchFamily="18" charset="0"/>
-                <a:cs typeface="Times New Roman" pitchFamily="18" charset="0"/>
-              </a:rPr>
-              <a:t> </a:t>
+              <a:t>  </a:t>
             </a:r>
             <a:endParaRPr lang="en-US" sz="1800" b="1" u="sng" dirty="0" smtClean="0">
               <a:latin typeface="Times New Roman" pitchFamily="18" charset="0"/>
